--- a/2021-12-11 DOTNET Konf Azərbaycan/ABP-Microservice-Communication-Presentation.pptx
+++ b/2021-12-11 DOTNET Konf Azərbaycan/ABP-Microservice-Communication-Presentation.pptx
@@ -291,7 +291,7 @@
           <a:p>
             <a:fld id="{6E55BB2C-5B2D-4037-B839-55AA2FC69FC2}" type="datetimeFigureOut">
               <a:rPr lang="tr-TR" smtClean="0"/>
-              <a:t>10.12.2021</a:t>
+              <a:t>11.12.2021</a:t>
             </a:fld>
             <a:endParaRPr lang="tr-TR"/>
           </a:p>
@@ -489,7 +489,7 @@
           <a:p>
             <a:fld id="{6E55BB2C-5B2D-4037-B839-55AA2FC69FC2}" type="datetimeFigureOut">
               <a:rPr lang="tr-TR" smtClean="0"/>
-              <a:t>10.12.2021</a:t>
+              <a:t>11.12.2021</a:t>
             </a:fld>
             <a:endParaRPr lang="tr-TR"/>
           </a:p>
@@ -697,7 +697,7 @@
           <a:p>
             <a:fld id="{6E55BB2C-5B2D-4037-B839-55AA2FC69FC2}" type="datetimeFigureOut">
               <a:rPr lang="tr-TR" smtClean="0"/>
-              <a:t>10.12.2021</a:t>
+              <a:t>11.12.2021</a:t>
             </a:fld>
             <a:endParaRPr lang="tr-TR"/>
           </a:p>
@@ -895,7 +895,7 @@
           <a:p>
             <a:fld id="{6E55BB2C-5B2D-4037-B839-55AA2FC69FC2}" type="datetimeFigureOut">
               <a:rPr lang="tr-TR" smtClean="0"/>
-              <a:t>10.12.2021</a:t>
+              <a:t>11.12.2021</a:t>
             </a:fld>
             <a:endParaRPr lang="tr-TR"/>
           </a:p>
@@ -1170,7 +1170,7 @@
           <a:p>
             <a:fld id="{6E55BB2C-5B2D-4037-B839-55AA2FC69FC2}" type="datetimeFigureOut">
               <a:rPr lang="tr-TR" smtClean="0"/>
-              <a:t>10.12.2021</a:t>
+              <a:t>11.12.2021</a:t>
             </a:fld>
             <a:endParaRPr lang="tr-TR"/>
           </a:p>
@@ -1435,7 +1435,7 @@
           <a:p>
             <a:fld id="{6E55BB2C-5B2D-4037-B839-55AA2FC69FC2}" type="datetimeFigureOut">
               <a:rPr lang="tr-TR" smtClean="0"/>
-              <a:t>10.12.2021</a:t>
+              <a:t>11.12.2021</a:t>
             </a:fld>
             <a:endParaRPr lang="tr-TR"/>
           </a:p>
@@ -1847,7 +1847,7 @@
           <a:p>
             <a:fld id="{6E55BB2C-5B2D-4037-B839-55AA2FC69FC2}" type="datetimeFigureOut">
               <a:rPr lang="tr-TR" smtClean="0"/>
-              <a:t>10.12.2021</a:t>
+              <a:t>11.12.2021</a:t>
             </a:fld>
             <a:endParaRPr lang="tr-TR"/>
           </a:p>
@@ -1988,7 +1988,7 @@
           <a:p>
             <a:fld id="{6E55BB2C-5B2D-4037-B839-55AA2FC69FC2}" type="datetimeFigureOut">
               <a:rPr lang="tr-TR" smtClean="0"/>
-              <a:t>10.12.2021</a:t>
+              <a:t>11.12.2021</a:t>
             </a:fld>
             <a:endParaRPr lang="tr-TR"/>
           </a:p>
@@ -2101,7 +2101,7 @@
           <a:p>
             <a:fld id="{6E55BB2C-5B2D-4037-B839-55AA2FC69FC2}" type="datetimeFigureOut">
               <a:rPr lang="tr-TR" smtClean="0"/>
-              <a:t>10.12.2021</a:t>
+              <a:t>11.12.2021</a:t>
             </a:fld>
             <a:endParaRPr lang="tr-TR"/>
           </a:p>
@@ -2412,7 +2412,7 @@
           <a:p>
             <a:fld id="{6E55BB2C-5B2D-4037-B839-55AA2FC69FC2}" type="datetimeFigureOut">
               <a:rPr lang="tr-TR" smtClean="0"/>
-              <a:t>10.12.2021</a:t>
+              <a:t>11.12.2021</a:t>
             </a:fld>
             <a:endParaRPr lang="tr-TR"/>
           </a:p>
@@ -2700,7 +2700,7 @@
           <a:p>
             <a:fld id="{6E55BB2C-5B2D-4037-B839-55AA2FC69FC2}" type="datetimeFigureOut">
               <a:rPr lang="tr-TR" smtClean="0"/>
-              <a:t>10.12.2021</a:t>
+              <a:t>11.12.2021</a:t>
             </a:fld>
             <a:endParaRPr lang="tr-TR"/>
           </a:p>
@@ -2941,7 +2941,7 @@
           <a:p>
             <a:fld id="{6E55BB2C-5B2D-4037-B839-55AA2FC69FC2}" type="datetimeFigureOut">
               <a:rPr lang="tr-TR" smtClean="0"/>
-              <a:t>10.12.2021</a:t>
+              <a:t>11.12.2021</a:t>
             </a:fld>
             <a:endParaRPr lang="tr-TR"/>
           </a:p>
@@ -3523,6 +3523,45 @@
           </a:p>
         </p:txBody>
       </p:sp>
+      <p:sp>
+        <p:nvSpPr>
+          <p:cNvPr id="6" name="TextBox 5">
+            <a:extLst>
+              <a:ext uri="{FF2B5EF4-FFF2-40B4-BE49-F238E27FC236}">
+                <a16:creationId xmlns:a16="http://schemas.microsoft.com/office/drawing/2014/main" id="{7FEF06E0-7935-4496-B64F-2081FB56EFE6}"/>
+              </a:ext>
+            </a:extLst>
+          </p:cNvPr>
+          <p:cNvSpPr txBox="1"/>
+          <p:nvPr/>
+        </p:nvSpPr>
+        <p:spPr>
+          <a:xfrm>
+            <a:off x="3994517" y="5575856"/>
+            <a:ext cx="6094674" cy="369332"/>
+          </a:xfrm>
+          <a:prstGeom prst="rect">
+            <a:avLst/>
+          </a:prstGeom>
+          <a:noFill/>
+        </p:spPr>
+        <p:txBody>
+          <a:bodyPr wrap="square">
+            <a:spAutoFit/>
+          </a:bodyPr>
+          <a:lstStyle/>
+          <a:p>
+            <a:r>
+              <a:rPr lang="en-US" sz="1800" i="1" dirty="0">
+                <a:solidFill>
+                  <a:srgbClr val="FFC000"/>
+                </a:solidFill>
+              </a:rPr>
+              <a:t>https://github.com/hikalkan/presentations</a:t>
+            </a:r>
+          </a:p>
+        </p:txBody>
+      </p:sp>
     </p:spTree>
     <p:extLst>
       <p:ext uri="{BB962C8B-B14F-4D97-AF65-F5344CB8AC3E}">
@@ -14055,8 +14094,8 @@
         </p:nvSpPr>
         <p:spPr>
           <a:xfrm>
-            <a:off x="880981" y="2420829"/>
-            <a:ext cx="6033284" cy="2203449"/>
+            <a:off x="977875" y="2153828"/>
+            <a:ext cx="6033284" cy="1275172"/>
           </a:xfrm>
           <a:prstGeom prst="rect">
             <a:avLst/>
@@ -14257,7 +14296,7 @@
         </p:nvSpPr>
         <p:spPr>
           <a:xfrm>
-            <a:off x="1651879" y="5170909"/>
+            <a:off x="4864205" y="5157559"/>
             <a:ext cx="3758979" cy="923330"/>
           </a:xfrm>
           <a:prstGeom prst="rect">
@@ -14386,7 +14425,7 @@
         </p:nvSpPr>
         <p:spPr>
           <a:xfrm>
-            <a:off x="1617420" y="4641561"/>
+            <a:off x="4821796" y="4586134"/>
             <a:ext cx="3843798" cy="584775"/>
           </a:xfrm>
           <a:prstGeom prst="rect">
@@ -14416,6 +14455,90 @@
                 </a:schemeClr>
               </a:solidFill>
             </a:endParaRPr>
+          </a:p>
+        </p:txBody>
+      </p:sp>
+      <p:sp>
+        <p:nvSpPr>
+          <p:cNvPr id="11" name="TextBox 10">
+            <a:extLst>
+              <a:ext uri="{FF2B5EF4-FFF2-40B4-BE49-F238E27FC236}">
+                <a16:creationId xmlns:a16="http://schemas.microsoft.com/office/drawing/2014/main" id="{25B90618-A603-49F9-979E-9829F0F9CB0F}"/>
+              </a:ext>
+            </a:extLst>
+          </p:cNvPr>
+          <p:cNvSpPr txBox="1"/>
+          <p:nvPr/>
+        </p:nvSpPr>
+        <p:spPr>
+          <a:xfrm>
+            <a:off x="610224" y="3371815"/>
+            <a:ext cx="7008158" cy="1200329"/>
+          </a:xfrm>
+          <a:prstGeom prst="rect">
+            <a:avLst/>
+          </a:prstGeom>
+          <a:noFill/>
+        </p:spPr>
+        <p:txBody>
+          <a:bodyPr wrap="square">
+            <a:spAutoFit/>
+          </a:bodyPr>
+          <a:lstStyle/>
+          <a:p>
+            <a:r>
+              <a:rPr lang="en-US" dirty="0">
+                <a:solidFill>
+                  <a:schemeClr val="bg1"/>
+                </a:solidFill>
+              </a:rPr>
+              <a:t>The presentation:</a:t>
+            </a:r>
+            <a:br>
+              <a:rPr lang="en-US" dirty="0">
+                <a:solidFill>
+                  <a:schemeClr val="bg1"/>
+                </a:solidFill>
+              </a:rPr>
+            </a:br>
+            <a:r>
+              <a:rPr lang="en-US" i="1" dirty="0">
+                <a:solidFill>
+                  <a:srgbClr val="FFC000"/>
+                </a:solidFill>
+              </a:rPr>
+              <a:t>https://github.com/hikalkan/presentations</a:t>
+            </a:r>
+            <a:br>
+              <a:rPr lang="en-US" i="1" dirty="0">
+                <a:solidFill>
+                  <a:srgbClr val="FFC000"/>
+                </a:solidFill>
+              </a:rPr>
+            </a:br>
+            <a:r>
+              <a:rPr lang="en-US" dirty="0">
+                <a:solidFill>
+                  <a:schemeClr val="bg1"/>
+                </a:solidFill>
+              </a:rPr>
+              <a:t>Source code:</a:t>
+            </a:r>
+            <a:endParaRPr lang="en-US" i="1" dirty="0">
+              <a:solidFill>
+                <a:srgbClr val="FFC000"/>
+              </a:solidFill>
+            </a:endParaRPr>
+          </a:p>
+          <a:p>
+            <a:r>
+              <a:rPr lang="en-US" i="1" dirty="0">
+                <a:solidFill>
+                  <a:srgbClr val="FFC000"/>
+                </a:solidFill>
+              </a:rPr>
+              <a:t>https://github.com/abpframework/eShopOnAbp/tree/ms-comm-demo</a:t>
+            </a:r>
           </a:p>
         </p:txBody>
       </p:sp>
